--- a/AI.pptx
+++ b/AI.pptx
@@ -231,7 +231,7 @@
           <a:p>
             <a:fld id="{866D81A9-CFC2-4640-899E-DD3E177BE50A}" type="datetimeFigureOut">
               <a:rPr lang="en-US" smtClean="0"/>
-              <a:t>10/18/2021</a:t>
+              <a:t>10/21/2021</a:t>
             </a:fld>
             <a:endParaRPr lang="en-US" dirty="0"/>
           </a:p>
@@ -408,7 +408,7 @@
           <a:p>
             <a:fld id="{AA1E50F4-C55A-473A-A70B-4B042EF011A9}" type="datetimeFigureOut">
               <a:rPr lang="en-US" smtClean="0"/>
-              <a:t>10/18/2021</a:t>
+              <a:t>10/21/2021</a:t>
             </a:fld>
             <a:endParaRPr lang="en-US" dirty="0"/>
           </a:p>
@@ -1068,7 +1068,7 @@
             <a:fld id="{87DE6118-2437-4B30-8E3C-4D2BE6020583}" type="datetimeFigureOut">
               <a:rPr lang="en-US" smtClean="0"/>
               <a:pPr/>
-              <a:t>10/18/2021</a:t>
+              <a:t>10/21/2021</a:t>
             </a:fld>
             <a:endParaRPr lang="en-US" dirty="0"/>
           </a:p>
@@ -1404,7 +1404,7 @@
             <a:fld id="{87DE6118-2437-4B30-8E3C-4D2BE6020583}" type="datetimeFigureOut">
               <a:rPr lang="en-US" smtClean="0"/>
               <a:pPr/>
-              <a:t>10/18/2021</a:t>
+              <a:t>10/21/2021</a:t>
             </a:fld>
             <a:endParaRPr lang="en-US" dirty="0"/>
           </a:p>
@@ -1684,7 +1684,7 @@
             <a:fld id="{87DE6118-2437-4B30-8E3C-4D2BE6020583}" type="datetimeFigureOut">
               <a:rPr lang="en-US" smtClean="0"/>
               <a:pPr/>
-              <a:t>10/18/2021</a:t>
+              <a:t>10/21/2021</a:t>
             </a:fld>
             <a:endParaRPr lang="en-US" dirty="0"/>
           </a:p>
@@ -2254,7 +2254,7 @@
             <a:fld id="{87DE6118-2437-4B30-8E3C-4D2BE6020583}" type="datetimeFigureOut">
               <a:rPr lang="en-US" smtClean="0"/>
               <a:pPr/>
-              <a:t>10/18/2021</a:t>
+              <a:t>10/21/2021</a:t>
             </a:fld>
             <a:endParaRPr lang="en-US" dirty="0"/>
           </a:p>
@@ -2534,7 +2534,7 @@
             <a:fld id="{87DE6118-2437-4B30-8E3C-4D2BE6020583}" type="datetimeFigureOut">
               <a:rPr lang="en-US" smtClean="0"/>
               <a:pPr/>
-              <a:t>10/18/2021</a:t>
+              <a:t>10/21/2021</a:t>
             </a:fld>
             <a:endParaRPr lang="en-US" dirty="0"/>
           </a:p>
@@ -3098,7 +3098,7 @@
             <a:fld id="{87DE6118-2437-4B30-8E3C-4D2BE6020583}" type="datetimeFigureOut">
               <a:rPr lang="en-US" smtClean="0"/>
               <a:pPr/>
-              <a:t>10/18/2021</a:t>
+              <a:t>10/21/2021</a:t>
             </a:fld>
             <a:endParaRPr lang="en-US" dirty="0"/>
           </a:p>
@@ -3427,7 +3427,7 @@
             <a:fld id="{87DE6118-2437-4B30-8E3C-4D2BE6020583}" type="datetimeFigureOut">
               <a:rPr lang="en-US" smtClean="0"/>
               <a:pPr/>
-              <a:t>10/18/2021</a:t>
+              <a:t>10/21/2021</a:t>
             </a:fld>
             <a:endParaRPr lang="en-US" dirty="0"/>
           </a:p>
@@ -3633,7 +3633,7 @@
           <a:p>
             <a:fld id="{87DE6118-2437-4B30-8E3C-4D2BE6020583}" type="datetimeFigureOut">
               <a:rPr lang="en-US" smtClean="0"/>
-              <a:t>10/18/2021</a:t>
+              <a:t>10/21/2021</a:t>
             </a:fld>
             <a:endParaRPr lang="en-US" dirty="0"/>
           </a:p>
@@ -3843,7 +3843,7 @@
           <a:p>
             <a:fld id="{87DE6118-2437-4B30-8E3C-4D2BE6020583}" type="datetimeFigureOut">
               <a:rPr lang="en-US" smtClean="0"/>
-              <a:t>10/18/2021</a:t>
+              <a:t>10/21/2021</a:t>
             </a:fld>
             <a:endParaRPr lang="en-US" dirty="0"/>
           </a:p>
@@ -4043,7 +4043,7 @@
           <a:p>
             <a:fld id="{87DE6118-2437-4B30-8E3C-4D2BE6020583}" type="datetimeFigureOut">
               <a:rPr lang="en-US" smtClean="0"/>
-              <a:t>10/18/2021</a:t>
+              <a:t>10/21/2021</a:t>
             </a:fld>
             <a:endParaRPr lang="en-US" dirty="0"/>
           </a:p>
@@ -4320,7 +4320,7 @@
             <a:fld id="{87DE6118-2437-4B30-8E3C-4D2BE6020583}" type="datetimeFigureOut">
               <a:rPr lang="en-US" smtClean="0"/>
               <a:pPr/>
-              <a:t>10/18/2021</a:t>
+              <a:t>10/21/2021</a:t>
             </a:fld>
             <a:endParaRPr lang="en-US" dirty="0"/>
           </a:p>
@@ -4587,7 +4587,7 @@
           <a:p>
             <a:fld id="{87DE6118-2437-4B30-8E3C-4D2BE6020583}" type="datetimeFigureOut">
               <a:rPr lang="en-US" smtClean="0"/>
-              <a:t>10/18/2021</a:t>
+              <a:t>10/21/2021</a:t>
             </a:fld>
             <a:endParaRPr lang="en-US" dirty="0"/>
           </a:p>
@@ -4961,7 +4961,7 @@
           <a:p>
             <a:fld id="{87DE6118-2437-4B30-8E3C-4D2BE6020583}" type="datetimeFigureOut">
               <a:rPr lang="en-US" smtClean="0"/>
-              <a:t>10/18/2021</a:t>
+              <a:t>10/21/2021</a:t>
             </a:fld>
             <a:endParaRPr lang="en-US" dirty="0"/>
           </a:p>
@@ -5109,7 +5109,7 @@
           <a:p>
             <a:fld id="{87DE6118-2437-4B30-8E3C-4D2BE6020583}" type="datetimeFigureOut">
               <a:rPr lang="en-US" smtClean="0"/>
-              <a:t>10/18/2021</a:t>
+              <a:t>10/21/2021</a:t>
             </a:fld>
             <a:endParaRPr lang="en-US" dirty="0"/>
           </a:p>
@@ -5234,7 +5234,7 @@
           <a:p>
             <a:fld id="{87DE6118-2437-4B30-8E3C-4D2BE6020583}" type="datetimeFigureOut">
               <a:rPr lang="en-US" smtClean="0"/>
-              <a:t>10/18/2021</a:t>
+              <a:t>10/21/2021</a:t>
             </a:fld>
             <a:endParaRPr lang="en-US" dirty="0"/>
           </a:p>
@@ -5520,7 +5520,7 @@
             <a:fld id="{87DE6118-2437-4B30-8E3C-4D2BE6020583}" type="datetimeFigureOut">
               <a:rPr lang="en-US" smtClean="0"/>
               <a:pPr/>
-              <a:t>10/18/2021</a:t>
+              <a:t>10/21/2021</a:t>
             </a:fld>
             <a:endParaRPr lang="en-US" dirty="0"/>
           </a:p>
@@ -5846,7 +5846,7 @@
             <a:fld id="{87DE6118-2437-4B30-8E3C-4D2BE6020583}" type="datetimeFigureOut">
               <a:rPr lang="en-US" smtClean="0"/>
               <a:pPr/>
-              <a:t>10/18/2021</a:t>
+              <a:t>10/21/2021</a:t>
             </a:fld>
             <a:endParaRPr lang="en-US" dirty="0"/>
           </a:p>
@@ -6062,7 +6062,7 @@
             <a:fld id="{87DE6118-2437-4B30-8E3C-4D2BE6020583}" type="datetimeFigureOut">
               <a:rPr lang="en-US" smtClean="0"/>
               <a:pPr/>
-              <a:t>10/18/2021</a:t>
+              <a:t>10/21/2021</a:t>
             </a:fld>
             <a:endParaRPr lang="en-US" dirty="0"/>
           </a:p>
@@ -8903,13 +8903,18 @@
           <a:p>
             <a:pPr algn="ctr"/>
             <a:r>
-              <a:rPr lang="en-US" dirty="0">
+              <a:rPr lang="en-US">
                 <a:solidFill>
                   <a:schemeClr val="bg1"/>
                 </a:solidFill>
               </a:rPr>
-              <a:t>1943</a:t>
-            </a:r>
+              <a:t>2014</a:t>
+            </a:r>
+            <a:endParaRPr lang="en-US" dirty="0">
+              <a:solidFill>
+                <a:schemeClr val="bg1"/>
+              </a:solidFill>
+            </a:endParaRPr>
           </a:p>
           <a:p>
             <a:pPr algn="ctr"/>
@@ -11316,6 +11321,24 @@
 </file>
 
 <file path=customXml/item1.xml><?xml version="1.0" encoding="utf-8"?>
+<p:properties xmlns:p="http://schemas.microsoft.com/office/2006/metadata/properties" xmlns:xsi="http://www.w3.org/2001/XMLSchema-instance" xmlns:pc="http://schemas.microsoft.com/office/infopath/2007/PartnerControls">
+  <documentManagement>
+    <Status xmlns="71af3243-3dd4-4a8d-8c0d-dd76da1f02a5">Not started</Status>
+    <MediaServiceKeyPoints xmlns="71af3243-3dd4-4a8d-8c0d-dd76da1f02a5" xsi:nil="true"/>
+  </documentManagement>
+</p:properties>
+</file>
+
+<file path=customXml/item2.xml><?xml version="1.0" encoding="utf-8"?>
+<?mso-contentType ?>
+<FormTemplates xmlns="http://schemas.microsoft.com/sharepoint/v3/contenttype/forms">
+  <Display>DocumentLibraryForm</Display>
+  <Edit>DocumentLibraryForm</Edit>
+  <New>DocumentLibraryForm</New>
+</FormTemplates>
+</file>
+
+<file path=customXml/item3.xml><?xml version="1.0" encoding="utf-8"?>
 <ct:contentTypeSchema xmlns:ct="http://schemas.microsoft.com/office/2006/metadata/contentType" xmlns:ma="http://schemas.microsoft.com/office/2006/metadata/properties/metaAttributes" ct:_="" ma:_="" ma:contentTypeName="Document" ma:contentTypeID="0x01010079F111ED35F8CC479449609E8A0923A6" ma:contentTypeVersion="12" ma:contentTypeDescription="Create a new document." ma:contentTypeScope="" ma:versionID="93813dd7ca6ad654711aa0ab317e03a3">
   <xsd:schema xmlns:xsd="http://www.w3.org/2001/XMLSchema" xmlns:xs="http://www.w3.org/2001/XMLSchema" xmlns:p="http://schemas.microsoft.com/office/2006/metadata/properties" xmlns:ns2="71af3243-3dd4-4a8d-8c0d-dd76da1f02a5" xmlns:ns3="16c05727-aa75-4e4a-9b5f-8a80a1165891" targetNamespace="http://schemas.microsoft.com/office/2006/metadata/properties" ma:root="true" ma:fieldsID="f11dc0ce689dd3925e84e4e35398c6e7" ns2:_="" ns3:_="">
     <xsd:import namespace="71af3243-3dd4-4a8d-8c0d-dd76da1f02a5"/>
@@ -11536,25 +11559,25 @@
 </ct:contentTypeSchema>
 </file>
 
-<file path=customXml/item2.xml><?xml version="1.0" encoding="utf-8"?>
-<?mso-contentType ?>
-<FormTemplates xmlns="http://schemas.microsoft.com/sharepoint/v3/contenttype/forms">
-  <Display>DocumentLibraryForm</Display>
-  <Edit>DocumentLibraryForm</Edit>
-  <New>DocumentLibraryForm</New>
-</FormTemplates>
+<file path=customXml/itemProps1.xml><?xml version="1.0" encoding="utf-8"?>
+<ds:datastoreItem xmlns:ds="http://schemas.openxmlformats.org/officeDocument/2006/customXml" ds:itemID="{1F08B90B-70ED-4539-9C14-FB2728D9064F}">
+  <ds:schemaRefs>
+    <ds:schemaRef ds:uri="http://schemas.microsoft.com/office/2006/metadata/properties"/>
+    <ds:schemaRef ds:uri="http://schemas.microsoft.com/office/infopath/2007/PartnerControls"/>
+    <ds:schemaRef ds:uri="71af3243-3dd4-4a8d-8c0d-dd76da1f02a5"/>
+  </ds:schemaRefs>
+</ds:datastoreItem>
 </file>
 
-<file path=customXml/item3.xml><?xml version="1.0" encoding="utf-8"?>
-<p:properties xmlns:p="http://schemas.microsoft.com/office/2006/metadata/properties" xmlns:xsi="http://www.w3.org/2001/XMLSchema-instance" xmlns:pc="http://schemas.microsoft.com/office/infopath/2007/PartnerControls">
-  <documentManagement>
-    <Status xmlns="71af3243-3dd4-4a8d-8c0d-dd76da1f02a5">Not started</Status>
-    <MediaServiceKeyPoints xmlns="71af3243-3dd4-4a8d-8c0d-dd76da1f02a5" xsi:nil="true"/>
-  </documentManagement>
-</p:properties>
+<file path=customXml/itemProps2.xml><?xml version="1.0" encoding="utf-8"?>
+<ds:datastoreItem xmlns:ds="http://schemas.openxmlformats.org/officeDocument/2006/customXml" ds:itemID="{A0D51BCB-0419-432E-B7F1-25548446A625}">
+  <ds:schemaRefs>
+    <ds:schemaRef ds:uri="http://schemas.microsoft.com/sharepoint/v3/contenttype/forms"/>
+  </ds:schemaRefs>
+</ds:datastoreItem>
 </file>
 
-<file path=customXml/itemProps1.xml><?xml version="1.0" encoding="utf-8"?>
+<file path=customXml/itemProps3.xml><?xml version="1.0" encoding="utf-8"?>
 <ds:datastoreItem xmlns:ds="http://schemas.openxmlformats.org/officeDocument/2006/customXml" ds:itemID="{9E8D3305-1D9D-4BC8-A40F-6F8AE50BD76B}">
   <ds:schemaRefs>
     <ds:schemaRef ds:uri="http://schemas.microsoft.com/office/2006/metadata/contentType"/>
@@ -11571,22 +11594,4 @@
     <ds:schemaRef ds:uri="http://schemas.microsoft.com/internal/obd"/>
   </ds:schemaRefs>
 </ds:datastoreItem>
-</file>
-
-<file path=customXml/itemProps2.xml><?xml version="1.0" encoding="utf-8"?>
-<ds:datastoreItem xmlns:ds="http://schemas.openxmlformats.org/officeDocument/2006/customXml" ds:itemID="{A0D51BCB-0419-432E-B7F1-25548446A625}">
-  <ds:schemaRefs>
-    <ds:schemaRef ds:uri="http://schemas.microsoft.com/sharepoint/v3/contenttype/forms"/>
-  </ds:schemaRefs>
-</ds:datastoreItem>
-</file>
-
-<file path=customXml/itemProps3.xml><?xml version="1.0" encoding="utf-8"?>
-<ds:datastoreItem xmlns:ds="http://schemas.openxmlformats.org/officeDocument/2006/customXml" ds:itemID="{1F08B90B-70ED-4539-9C14-FB2728D9064F}">
-  <ds:schemaRefs>
-    <ds:schemaRef ds:uri="http://schemas.microsoft.com/office/2006/metadata/properties"/>
-    <ds:schemaRef ds:uri="http://schemas.microsoft.com/office/infopath/2007/PartnerControls"/>
-    <ds:schemaRef ds:uri="71af3243-3dd4-4a8d-8c0d-dd76da1f02a5"/>
-  </ds:schemaRefs>
-</ds:datastoreItem>
 </file>